--- a/Book of Egyptian Cryptography (Uvajda).pptx
+++ b/Book of Egyptian Cryptography (Uvajda).pptx
@@ -47,6 +47,8 @@
     <p:sldId id="295" r:id="rId42"/>
     <p:sldId id="296" r:id="rId43"/>
     <p:sldId id="297" r:id="rId44"/>
+    <p:sldId id="298" r:id="rId45"/>
+    <p:sldId id="299" r:id="rId46"/>
   </p:sldIdLst>
   <p:sldSz cx="10080625" cy="5670550"/>
   <p:notesSz cx="7772400" cy="10058400"/>
@@ -1740,7 +1742,7 @@
           </a:bodyPr>
           <a:p>
             <a:pPr algn="r"/>
-            <a:fld id="{F975DFBE-D27E-498A-BE82-FBF56AB2E431}" type="slidenum">
+            <a:fld id="{A691A85D-EB20-4DDF-BE5A-B317FC2E8BCC}" type="slidenum">
               <a:rPr b="0" lang="en-US" sz="1400" spc="-1" strike="noStrike">
                 <a:latin typeface="Times New Roman"/>
               </a:rPr>
@@ -5380,7 +5382,7 @@
         </p:spPr>
         <p:txBody>
           <a:bodyPr lIns="0" rIns="0" tIns="0" bIns="0">
-            <a:normAutofit/>
+            <a:normAutofit fontScale="82000"/>
           </a:bodyPr>
           <a:p>
             <a:pPr marL="432000" indent="-324000">
@@ -5442,7 +5444,7 @@
               <a:rPr b="0" lang="en-US" sz="3200" spc="-1" strike="noStrike">
                 <a:latin typeface="Arial"/>
               </a:rPr>
-              <a:t>Add number to shift value, Beta, modulo 26</a:t>
+              <a:t>Add resulting number to shift value, Beta, modulo 26</a:t>
             </a:r>
             <a:endParaRPr b="0" lang="en-US" sz="3200" spc="-1" strike="noStrike">
               <a:latin typeface="Arial"/>
@@ -5561,7 +5563,7 @@
               <a:rPr b="0" lang="en-US" sz="4400" spc="-1" strike="noStrike">
                 <a:latin typeface="Arial"/>
               </a:rPr>
-              <a:t>Egyptian Star Code Glossary</a:t>
+              <a:t>Betel Transformation</a:t>
             </a:r>
             <a:endParaRPr b="0" lang="en-US" sz="4400" spc="-1" strike="noStrike">
               <a:latin typeface="Arial"/>
@@ -5590,113 +5592,121 @@
         </p:spPr>
         <p:txBody>
           <a:bodyPr lIns="0" rIns="0" tIns="0" bIns="0">
-            <a:normAutofit/>
-          </a:bodyPr>
-          <a:p>
-            <a:pPr marL="432000" indent="-324000">
-              <a:spcBef>
-                <a:spcPts val="1417"/>
-              </a:spcBef>
-              <a:buClr>
-                <a:srgbClr val="000000"/>
-              </a:buClr>
-              <a:buSzPct val="45000"/>
-              <a:buFont typeface="Wingdings" charset="2"/>
-              <a:buChar char=""/>
-            </a:pPr>
-            <a:r>
-              <a:rPr b="0" lang="en-US" sz="3200" spc="-1" strike="noStrike">
-                <a:latin typeface="Arial"/>
-              </a:rPr>
-              <a:t>Double = Delta</a:t>
-            </a:r>
-            <a:endParaRPr b="0" lang="en-US" sz="3200" spc="-1" strike="noStrike">
-              <a:latin typeface="Arial"/>
-            </a:endParaRPr>
-          </a:p>
-          <a:p>
-            <a:pPr marL="432000" indent="-324000">
-              <a:spcBef>
-                <a:spcPts val="1417"/>
-              </a:spcBef>
-              <a:buClr>
-                <a:srgbClr val="000000"/>
-              </a:buClr>
-              <a:buSzPct val="45000"/>
-              <a:buFont typeface="Wingdings" charset="2"/>
-              <a:buChar char=""/>
-            </a:pPr>
-            <a:r>
-              <a:rPr b="0" lang="en-US" sz="3200" spc="-1" strike="noStrike">
-                <a:latin typeface="Arial"/>
-              </a:rPr>
-              <a:t>Right Shift Alpha = Beta</a:t>
-            </a:r>
-            <a:endParaRPr b="0" lang="en-US" sz="3200" spc="-1" strike="noStrike">
-              <a:latin typeface="Arial"/>
-            </a:endParaRPr>
-          </a:p>
-          <a:p>
-            <a:pPr marL="432000" indent="-324000">
-              <a:spcBef>
-                <a:spcPts val="1417"/>
-              </a:spcBef>
-              <a:buClr>
-                <a:srgbClr val="000000"/>
-              </a:buClr>
-              <a:buSzPct val="45000"/>
-              <a:buFont typeface="Wingdings" charset="2"/>
-              <a:buChar char=""/>
-            </a:pPr>
-            <a:r>
-              <a:rPr b="0" lang="en-US" sz="3200" spc="-1" strike="noStrike">
-                <a:latin typeface="Arial"/>
-              </a:rPr>
-              <a:t>Left Shift Alpha = Alpha</a:t>
-            </a:r>
-            <a:endParaRPr b="0" lang="en-US" sz="3200" spc="-1" strike="noStrike">
-              <a:latin typeface="Arial"/>
-            </a:endParaRPr>
-          </a:p>
-          <a:p>
-            <a:pPr marL="432000" indent="-324000">
-              <a:spcBef>
-                <a:spcPts val="1417"/>
-              </a:spcBef>
-              <a:buClr>
-                <a:srgbClr val="000000"/>
-              </a:buClr>
-              <a:buSzPct val="45000"/>
-              <a:buFont typeface="Wingdings" charset="2"/>
-              <a:buChar char=""/>
-            </a:pPr>
-            <a:r>
-              <a:rPr b="0" lang="en-US" sz="3200" spc="-1" strike="noStrike">
-                <a:latin typeface="Arial"/>
-              </a:rPr>
-              <a:t>Left Shift Beta = Alpha</a:t>
-            </a:r>
-            <a:endParaRPr b="0" lang="en-US" sz="3200" spc="-1" strike="noStrike">
-              <a:latin typeface="Arial"/>
-            </a:endParaRPr>
-          </a:p>
-          <a:p>
-            <a:pPr marL="432000" indent="-324000">
-              <a:spcBef>
-                <a:spcPts val="1417"/>
-              </a:spcBef>
-              <a:buClr>
-                <a:srgbClr val="000000"/>
-              </a:buClr>
-              <a:buSzPct val="45000"/>
-              <a:buFont typeface="Wingdings" charset="2"/>
-              <a:buChar char=""/>
-            </a:pPr>
-            <a:r>
-              <a:rPr b="0" lang="en-US" sz="3200" spc="-1" strike="noStrike">
-                <a:latin typeface="Arial"/>
-              </a:rPr>
-              <a:t>Right Shift Beta = Beta</a:t>
+            <a:normAutofit fontScale="82000"/>
+          </a:bodyPr>
+          <a:p>
+            <a:pPr marL="432000" indent="-324000">
+              <a:spcBef>
+                <a:spcPts val="1417"/>
+              </a:spcBef>
+              <a:buClr>
+                <a:srgbClr val="000000"/>
+              </a:buClr>
+              <a:buSzPct val="45000"/>
+              <a:buFont typeface="Wingdings" charset="2"/>
+              <a:buChar char=""/>
+            </a:pPr>
+            <a:r>
+              <a:rPr b="0" lang="en-US" sz="3200" spc="-1" strike="noStrike">
+                <a:latin typeface="Arial"/>
+              </a:rPr>
+              <a:t>Add number to itself modulo 26   (double transformation)</a:t>
+            </a:r>
+            <a:endParaRPr b="0" lang="en-US" sz="3200" spc="-1" strike="noStrike">
+              <a:latin typeface="Arial"/>
+            </a:endParaRPr>
+          </a:p>
+          <a:p>
+            <a:pPr marL="432000" indent="-324000">
+              <a:spcBef>
+                <a:spcPts val="1417"/>
+              </a:spcBef>
+              <a:buClr>
+                <a:srgbClr val="000000"/>
+              </a:buClr>
+              <a:buSzPct val="45000"/>
+              <a:buFont typeface="Wingdings" charset="2"/>
+              <a:buChar char=""/>
+            </a:pPr>
+            <a:r>
+              <a:rPr b="0" lang="en-US" sz="3200" spc="-1" strike="noStrike">
+                <a:latin typeface="Arial"/>
+              </a:rPr>
+              <a:t>(n + n) mod 26</a:t>
+            </a:r>
+            <a:endParaRPr b="0" lang="en-US" sz="3200" spc="-1" strike="noStrike">
+              <a:latin typeface="Arial"/>
+            </a:endParaRPr>
+          </a:p>
+          <a:p>
+            <a:pPr marL="432000" indent="-324000">
+              <a:spcBef>
+                <a:spcPts val="1417"/>
+              </a:spcBef>
+              <a:buClr>
+                <a:srgbClr val="000000"/>
+              </a:buClr>
+              <a:buSzPct val="45000"/>
+              <a:buFont typeface="Wingdings" charset="2"/>
+              <a:buChar char=""/>
+            </a:pPr>
+            <a:r>
+              <a:rPr b="0" lang="en-US" sz="3200" spc="-1" strike="noStrike">
+                <a:latin typeface="Arial"/>
+              </a:rPr>
+              <a:t>Add resulting number to shift value, Gamma, modulo 26</a:t>
+            </a:r>
+            <a:endParaRPr b="0" lang="en-US" sz="3200" spc="-1" strike="noStrike">
+              <a:latin typeface="Arial"/>
+            </a:endParaRPr>
+          </a:p>
+          <a:p>
+            <a:pPr marL="432000" indent="-324000">
+              <a:spcBef>
+                <a:spcPts val="1417"/>
+              </a:spcBef>
+              <a:buClr>
+                <a:srgbClr val="000000"/>
+              </a:buClr>
+              <a:buSzPct val="45000"/>
+              <a:buFont typeface="Wingdings" charset="2"/>
+              <a:buChar char=""/>
+            </a:pPr>
+            <a:r>
+              <a:rPr b="0" lang="en-US" sz="3200" spc="-1" strike="noStrike">
+                <a:latin typeface="Arial"/>
+              </a:rPr>
+              <a:t>(n + s) mod 26 </a:t>
+            </a:r>
+            <a:r>
+              <a:rPr b="0" lang="en-US" sz="3200" spc="-1" strike="noStrike">
+                <a:latin typeface="Arial"/>
+              </a:rPr>
+              <a:t>	</a:t>
+            </a:r>
+            <a:r>
+              <a:rPr b="0" lang="en-US" sz="3200" spc="-1" strike="noStrike">
+                <a:latin typeface="Arial"/>
+              </a:rPr>
+              <a:t>	</a:t>
+            </a:r>
+            <a:r>
+              <a:rPr b="0" lang="en-US" sz="3200" spc="-1" strike="noStrike">
+                <a:latin typeface="Arial"/>
+              </a:rPr>
+              <a:t>	</a:t>
+            </a:r>
+            <a:r>
+              <a:rPr b="0" lang="en-US" sz="3200" spc="-1" strike="noStrike">
+                <a:latin typeface="Arial"/>
+              </a:rPr>
+              <a:t>	</a:t>
+            </a:r>
+            <a:r>
+              <a:rPr b="0" lang="en-US" sz="3200" spc="-1" strike="noStrike">
+                <a:latin typeface="Arial"/>
+              </a:rPr>
+              <a:t>{S = 5}      (right shift alpha transformation)</a:t>
             </a:r>
             <a:endParaRPr b="0" lang="en-US" sz="3200" spc="-1" strike="noStrike">
               <a:latin typeface="Arial"/>
@@ -5966,7 +5976,7 @@
               <a:rPr b="0" lang="en-US" sz="4400" spc="-1" strike="noStrike">
                 <a:latin typeface="Arial"/>
               </a:rPr>
-              <a:t>Betel Transformation</a:t>
+              <a:t>Egyptian Star Code Glossary</a:t>
             </a:r>
             <a:endParaRPr b="0" lang="en-US" sz="4400" spc="-1" strike="noStrike">
               <a:latin typeface="Arial"/>
@@ -6013,77 +6023,95 @@
               <a:rPr b="0" lang="en-US" sz="3200" spc="-1" strike="noStrike">
                 <a:latin typeface="Arial"/>
               </a:rPr>
-              <a:t>Subtract number value from shift value modulo 26</a:t>
-            </a:r>
-            <a:endParaRPr b="0" lang="en-US" sz="3200" spc="-1" strike="noStrike">
-              <a:latin typeface="Arial"/>
-            </a:endParaRPr>
-          </a:p>
-          <a:p>
-            <a:pPr marL="432000" indent="-324000">
-              <a:spcBef>
-                <a:spcPts val="1417"/>
-              </a:spcBef>
-              <a:buClr>
-                <a:srgbClr val="000000"/>
-              </a:buClr>
-              <a:buSzPct val="45000"/>
-              <a:buFont typeface="Wingdings" charset="2"/>
-              <a:buChar char=""/>
-            </a:pPr>
-            <a:r>
-              <a:rPr b="0" lang="en-US" sz="3200" spc="-1" strike="noStrike">
-                <a:latin typeface="Arial"/>
-              </a:rPr>
-              <a:t>(n – s) mod 26</a:t>
-            </a:r>
-            <a:r>
-              <a:rPr b="0" lang="en-US" sz="3200" spc="-1" strike="noStrike">
-                <a:latin typeface="Arial"/>
-              </a:rPr>
-              <a:t>	</a:t>
-            </a:r>
-            <a:r>
-              <a:rPr b="0" lang="en-US" sz="3200" spc="-1" strike="noStrike">
-                <a:latin typeface="Arial"/>
-              </a:rPr>
-              <a:t>	</a:t>
-            </a:r>
-            <a:r>
-              <a:rPr b="0" lang="en-US" sz="3200" spc="-1" strike="noStrike">
-                <a:latin typeface="Arial"/>
-              </a:rPr>
-              <a:t>	</a:t>
-            </a:r>
-            <a:r>
-              <a:rPr b="0" lang="en-US" sz="3200" spc="-1" strike="noStrike">
-                <a:latin typeface="Arial"/>
-              </a:rPr>
-              <a:t>	</a:t>
-            </a:r>
-            <a:r>
-              <a:rPr b="0" lang="en-US" sz="3200" spc="-1" strike="noStrike">
-                <a:latin typeface="Arial"/>
-              </a:rPr>
-              <a:t>	</a:t>
-            </a:r>
-            <a:r>
-              <a:rPr b="0" lang="en-US" sz="3200" spc="-1" strike="noStrike">
-                <a:latin typeface="Arial"/>
-              </a:rPr>
-              <a:t>	</a:t>
-            </a:r>
-            <a:r>
-              <a:rPr b="0" lang="en-US" sz="3200" spc="-1" strike="noStrike">
-                <a:latin typeface="Arial"/>
-              </a:rPr>
-              <a:t>	</a:t>
-            </a:r>
-            <a:r>
-              <a:rPr b="0" lang="en-US" sz="3200" spc="-1" strike="noStrike">
-                <a:latin typeface="Arial"/>
-              </a:rPr>
-              <a:t>{S = 2}</a:t>
+              <a:t>Double = Delta</a:t>
+            </a:r>
+            <a:endParaRPr b="0" lang="en-US" sz="3200" spc="-1" strike="noStrike">
+              <a:latin typeface="Arial"/>
+            </a:endParaRPr>
+          </a:p>
+          <a:p>
+            <a:pPr marL="432000" indent="-324000">
+              <a:spcBef>
+                <a:spcPts val="1417"/>
+              </a:spcBef>
+              <a:buClr>
+                <a:srgbClr val="000000"/>
+              </a:buClr>
+              <a:buSzPct val="45000"/>
+              <a:buFont typeface="Wingdings" charset="2"/>
+              <a:buChar char=""/>
+            </a:pPr>
+            <a:r>
+              <a:rPr b="0" lang="en-US" sz="3200" spc="-1" strike="noStrike">
+                <a:latin typeface="Arial"/>
+              </a:rPr>
+              <a:t>Right Shift Alpha = Beta</a:t>
+            </a:r>
+            <a:endParaRPr b="0" lang="en-US" sz="3200" spc="-1" strike="noStrike">
+              <a:latin typeface="Arial"/>
+            </a:endParaRPr>
+          </a:p>
+          <a:p>
+            <a:pPr marL="432000" indent="-324000">
+              <a:spcBef>
+                <a:spcPts val="1417"/>
+              </a:spcBef>
+              <a:buClr>
+                <a:srgbClr val="000000"/>
+              </a:buClr>
+              <a:buSzPct val="45000"/>
+              <a:buFont typeface="Wingdings" charset="2"/>
+              <a:buChar char=""/>
+            </a:pPr>
+            <a:r>
+              <a:rPr b="0" lang="en-US" sz="3200" spc="-1" strike="noStrike">
+                <a:latin typeface="Arial"/>
+              </a:rPr>
+              <a:t>Left Shift Alpha = Alpha</a:t>
+            </a:r>
+            <a:endParaRPr b="0" lang="en-US" sz="3200" spc="-1" strike="noStrike">
+              <a:latin typeface="Arial"/>
+            </a:endParaRPr>
+          </a:p>
+          <a:p>
+            <a:pPr marL="432000" indent="-324000">
+              <a:spcBef>
+                <a:spcPts val="1417"/>
+              </a:spcBef>
+              <a:buClr>
+                <a:srgbClr val="000000"/>
+              </a:buClr>
+              <a:buSzPct val="45000"/>
+              <a:buFont typeface="Wingdings" charset="2"/>
+              <a:buChar char=""/>
+            </a:pPr>
+            <a:r>
+              <a:rPr b="0" lang="en-US" sz="3200" spc="-1" strike="noStrike">
+                <a:latin typeface="Arial"/>
+              </a:rPr>
+              <a:t>Left Shift Beta = Alpha</a:t>
+            </a:r>
+            <a:endParaRPr b="0" lang="en-US" sz="3200" spc="-1" strike="noStrike">
+              <a:latin typeface="Arial"/>
+            </a:endParaRPr>
+          </a:p>
+          <a:p>
+            <a:pPr marL="432000" indent="-324000">
+              <a:spcBef>
+                <a:spcPts val="1417"/>
+              </a:spcBef>
+              <a:buClr>
+                <a:srgbClr val="000000"/>
+              </a:buClr>
+              <a:buSzPct val="45000"/>
+              <a:buFont typeface="Wingdings" charset="2"/>
+              <a:buChar char=""/>
+            </a:pPr>
+            <a:r>
+              <a:rPr b="0" lang="en-US" sz="3200" spc="-1" strike="noStrike">
+                <a:latin typeface="Arial"/>
+              </a:rPr>
+              <a:t>Right Shift Beta = Beta</a:t>
             </a:r>
             <a:endParaRPr b="0" lang="en-US" sz="3200" spc="-1" strike="noStrike">
               <a:latin typeface="Arial"/>
@@ -6150,7 +6178,7 @@
               <a:rPr b="0" lang="en-US" sz="4400" spc="-1" strike="noStrike">
                 <a:latin typeface="Arial"/>
               </a:rPr>
-              <a:t>Hebew Transformation</a:t>
+              <a:t>Betel Transformation</a:t>
             </a:r>
             <a:endParaRPr b="0" lang="en-US" sz="4400" spc="-1" strike="noStrike">
               <a:latin typeface="Arial"/>
@@ -6179,91 +6207,95 @@
         </p:spPr>
         <p:txBody>
           <a:bodyPr lIns="0" rIns="0" tIns="0" bIns="0">
-            <a:normAutofit fontScale="59000"/>
-          </a:bodyPr>
-          <a:p>
-            <a:pPr marL="432000" indent="-324000">
-              <a:spcBef>
-                <a:spcPts val="1417"/>
-              </a:spcBef>
-              <a:buClr>
-                <a:srgbClr val="000000"/>
-              </a:buClr>
-              <a:buSzPct val="45000"/>
-              <a:buFont typeface="Wingdings" charset="2"/>
-              <a:buChar char=""/>
-            </a:pPr>
-            <a:r>
-              <a:rPr b="0" lang="en-US" sz="3200" spc="-1" strike="noStrike">
-                <a:latin typeface="Arial"/>
-              </a:rPr>
-              <a:t>Add number to itself modulo 26   (double transformation)</a:t>
-            </a:r>
-            <a:endParaRPr b="0" lang="en-US" sz="3200" spc="-1" strike="noStrike">
-              <a:latin typeface="Arial"/>
-            </a:endParaRPr>
-          </a:p>
-          <a:p>
-            <a:pPr marL="432000" indent="-324000">
-              <a:spcBef>
-                <a:spcPts val="1417"/>
-              </a:spcBef>
-              <a:buClr>
-                <a:srgbClr val="000000"/>
-              </a:buClr>
-              <a:buSzPct val="45000"/>
-              <a:buFont typeface="Wingdings" charset="2"/>
-              <a:buChar char=""/>
-            </a:pPr>
-            <a:r>
-              <a:rPr b="0" lang="en-US" sz="3200" spc="-1" strike="noStrike">
-                <a:latin typeface="Arial"/>
-              </a:rPr>
-              <a:t>(n + n) mod 26</a:t>
-            </a:r>
-            <a:endParaRPr b="0" lang="en-US" sz="3200" spc="-1" strike="noStrike">
-              <a:latin typeface="Arial"/>
-            </a:endParaRPr>
-          </a:p>
-          <a:p>
-            <a:pPr marL="432000" indent="-324000">
-              <a:spcBef>
-                <a:spcPts val="1417"/>
-              </a:spcBef>
-              <a:buClr>
-                <a:srgbClr val="000000"/>
-              </a:buClr>
-              <a:buSzPct val="45000"/>
-              <a:buFont typeface="Wingdings" charset="2"/>
-              <a:buChar char=""/>
-            </a:pPr>
-            <a:r>
-              <a:rPr b="0" lang="en-US" sz="3200" spc="-1" strike="noStrike">
-                <a:latin typeface="Arial"/>
-              </a:rPr>
-              <a:t>A rotation of the alphabet to the left once before each letter is required.  (For example A..Z becomes  Z..Y)</a:t>
-            </a:r>
-            <a:endParaRPr b="0" lang="en-US" sz="3200" spc="-1" strike="noStrike">
-              <a:latin typeface="Arial"/>
-            </a:endParaRPr>
-          </a:p>
-          <a:p>
-            <a:pPr marL="432000" indent="-324000">
-              <a:spcBef>
-                <a:spcPts val="1417"/>
-              </a:spcBef>
-              <a:buClr>
-                <a:srgbClr val="000000"/>
-              </a:buClr>
-              <a:buSzPct val="45000"/>
-              <a:buFont typeface="Wingdings" charset="2"/>
-              <a:buChar char=""/>
-            </a:pPr>
-            <a:r>
-              <a:rPr b="0" lang="en-US" sz="3200" spc="-1" strike="noStrike">
-                <a:latin typeface="Arial"/>
-              </a:rPr>
-              <a:t>The rotation algorithm is applied twice.  The double rotation of the alphabet is referred to as RS Beta.</a:t>
+            <a:normAutofit/>
+          </a:bodyPr>
+          <a:p>
+            <a:pPr marL="432000" indent="-324000">
+              <a:spcBef>
+                <a:spcPts val="1417"/>
+              </a:spcBef>
+              <a:buClr>
+                <a:srgbClr val="000000"/>
+              </a:buClr>
+              <a:buSzPct val="45000"/>
+              <a:buFont typeface="Wingdings" charset="2"/>
+              <a:buChar char=""/>
+            </a:pPr>
+            <a:r>
+              <a:rPr b="0" lang="en-US" sz="3200" spc="-1" strike="noStrike">
+                <a:latin typeface="Arial"/>
+              </a:rPr>
+              <a:t>Subtract number value from shift value modulo 26</a:t>
+            </a:r>
+            <a:endParaRPr b="0" lang="en-US" sz="3200" spc="-1" strike="noStrike">
+              <a:latin typeface="Arial"/>
+            </a:endParaRPr>
+          </a:p>
+          <a:p>
+            <a:pPr marL="432000" indent="-324000">
+              <a:spcBef>
+                <a:spcPts val="1417"/>
+              </a:spcBef>
+              <a:buClr>
+                <a:srgbClr val="000000"/>
+              </a:buClr>
+              <a:buSzPct val="45000"/>
+              <a:buFont typeface="Wingdings" charset="2"/>
+              <a:buChar char=""/>
+            </a:pPr>
+            <a:r>
+              <a:rPr b="0" lang="en-US" sz="3200" spc="-1" strike="noStrike">
+                <a:latin typeface="Arial"/>
+              </a:rPr>
+              <a:t>(n – s) mod 26</a:t>
+            </a:r>
+            <a:r>
+              <a:rPr b="0" lang="en-US" sz="3200" spc="-1" strike="noStrike">
+                <a:latin typeface="Arial"/>
+              </a:rPr>
+              <a:t>	</a:t>
+            </a:r>
+            <a:r>
+              <a:rPr b="0" lang="en-US" sz="3200" spc="-1" strike="noStrike">
+                <a:latin typeface="Arial"/>
+              </a:rPr>
+              <a:t>	</a:t>
+            </a:r>
+            <a:r>
+              <a:rPr b="0" lang="en-US" sz="3200" spc="-1" strike="noStrike">
+                <a:latin typeface="Arial"/>
+              </a:rPr>
+              <a:t>	</a:t>
+            </a:r>
+            <a:r>
+              <a:rPr b="0" lang="en-US" sz="3200" spc="-1" strike="noStrike">
+                <a:latin typeface="Arial"/>
+              </a:rPr>
+              <a:t>	</a:t>
+            </a:r>
+            <a:r>
+              <a:rPr b="0" lang="en-US" sz="3200" spc="-1" strike="noStrike">
+                <a:latin typeface="Arial"/>
+              </a:rPr>
+              <a:t>	</a:t>
+            </a:r>
+            <a:r>
+              <a:rPr b="0" lang="en-US" sz="3200" spc="-1" strike="noStrike">
+                <a:latin typeface="Arial"/>
+              </a:rPr>
+              <a:t>	</a:t>
+            </a:r>
+            <a:r>
+              <a:rPr b="0" lang="en-US" sz="3200" spc="-1" strike="noStrike">
+                <a:latin typeface="Arial"/>
+              </a:rPr>
+              <a:t>	</a:t>
+            </a:r>
+            <a:r>
+              <a:rPr b="0" lang="en-US" sz="3200" spc="-1" strike="noStrike">
+                <a:latin typeface="Arial"/>
+              </a:rPr>
+              <a:t>{S = 2}</a:t>
             </a:r>
             <a:endParaRPr b="0" lang="en-US" sz="3200" spc="-1" strike="noStrike">
               <a:latin typeface="Arial"/>
@@ -6330,7 +6362,7 @@
               <a:rPr b="0" lang="en-US" sz="4400" spc="-1" strike="noStrike">
                 <a:latin typeface="Arial"/>
               </a:rPr>
-              <a:t>Betel Heqet Venus Transformation</a:t>
+              <a:t>Hebew Transformation</a:t>
             </a:r>
             <a:endParaRPr b="0" lang="en-US" sz="4400" spc="-1" strike="noStrike">
               <a:latin typeface="Arial"/>
@@ -6359,7 +6391,7 @@
         </p:spPr>
         <p:txBody>
           <a:bodyPr lIns="0" rIns="0" tIns="0" bIns="0">
-            <a:normAutofit/>
+            <a:normAutofit fontScale="59000"/>
           </a:bodyPr>
           <a:p>
             <a:pPr marL="432000" indent="-324000">
@@ -6421,7 +6453,29 @@
               <a:rPr b="0" lang="en-US" sz="3200" spc="-1" strike="noStrike">
                 <a:latin typeface="Arial"/>
               </a:rPr>
-              <a:t>Perform double transformation once more</a:t>
+              <a:t>A rotation of the alphabet to the left once before each letter is required.  (For example A..Z becomes  Z..Y)</a:t>
+            </a:r>
+            <a:endParaRPr b="0" lang="en-US" sz="3200" spc="-1" strike="noStrike">
+              <a:latin typeface="Arial"/>
+            </a:endParaRPr>
+          </a:p>
+          <a:p>
+            <a:pPr marL="432000" indent="-324000">
+              <a:spcBef>
+                <a:spcPts val="1417"/>
+              </a:spcBef>
+              <a:buClr>
+                <a:srgbClr val="000000"/>
+              </a:buClr>
+              <a:buSzPct val="45000"/>
+              <a:buFont typeface="Wingdings" charset="2"/>
+              <a:buChar char=""/>
+            </a:pPr>
+            <a:r>
+              <a:rPr b="0" lang="en-US" sz="3200" spc="-1" strike="noStrike">
+                <a:latin typeface="Arial"/>
+              </a:rPr>
+              <a:t>The rotation algorithm is applied twice.  The double rotation of the alphabet is referred to as RS Beta.</a:t>
             </a:r>
             <a:endParaRPr b="0" lang="en-US" sz="3200" spc="-1" strike="noStrike">
               <a:latin typeface="Arial"/>
@@ -6535,51 +6589,51 @@
               <a:rPr b="0" lang="en-US" sz="3200" spc="-1" strike="noStrike">
                 <a:latin typeface="Arial"/>
               </a:rPr>
-              <a:t>Betel Shift Alpha – Shift Order or S [0, 9, 0, 9, 0]</a:t>
-            </a:r>
-            <a:endParaRPr b="0" lang="en-US" sz="3200" spc="-1" strike="noStrike">
-              <a:latin typeface="Arial"/>
-            </a:endParaRPr>
-          </a:p>
-          <a:p>
-            <a:pPr marL="432000" indent="-324000">
-              <a:spcBef>
-                <a:spcPts val="1417"/>
-              </a:spcBef>
-              <a:buClr>
-                <a:srgbClr val="000000"/>
-              </a:buClr>
-              <a:buSzPct val="45000"/>
-              <a:buFont typeface="Wingdings" charset="2"/>
-              <a:buChar char=""/>
-            </a:pPr>
-            <a:r>
-              <a:rPr b="0" lang="en-US" sz="3200" spc="-1" strike="noStrike">
-                <a:latin typeface="Arial"/>
-              </a:rPr>
-              <a:t>Add each number to the corresponding shift order modulo 26</a:t>
-            </a:r>
-            <a:endParaRPr b="0" lang="en-US" sz="3200" spc="-1" strike="noStrike">
-              <a:latin typeface="Arial"/>
-            </a:endParaRPr>
-          </a:p>
-          <a:p>
-            <a:pPr marL="432000" indent="-324000">
-              <a:spcBef>
-                <a:spcPts val="1417"/>
-              </a:spcBef>
-              <a:buClr>
-                <a:srgbClr val="000000"/>
-              </a:buClr>
-              <a:buSzPct val="45000"/>
-              <a:buFont typeface="Wingdings" charset="2"/>
-              <a:buChar char=""/>
-            </a:pPr>
-            <a:r>
-              <a:rPr b="0" lang="en-US" sz="3200" spc="-1" strike="noStrike">
-                <a:latin typeface="Arial"/>
-              </a:rPr>
-              <a:t>(n + s) mod 26 </a:t>
+              <a:t>Add number to itself modulo 26   (double transformation)</a:t>
+            </a:r>
+            <a:endParaRPr b="0" lang="en-US" sz="3200" spc="-1" strike="noStrike">
+              <a:latin typeface="Arial"/>
+            </a:endParaRPr>
+          </a:p>
+          <a:p>
+            <a:pPr marL="432000" indent="-324000">
+              <a:spcBef>
+                <a:spcPts val="1417"/>
+              </a:spcBef>
+              <a:buClr>
+                <a:srgbClr val="000000"/>
+              </a:buClr>
+              <a:buSzPct val="45000"/>
+              <a:buFont typeface="Wingdings" charset="2"/>
+              <a:buChar char=""/>
+            </a:pPr>
+            <a:r>
+              <a:rPr b="0" lang="en-US" sz="3200" spc="-1" strike="noStrike">
+                <a:latin typeface="Arial"/>
+              </a:rPr>
+              <a:t>(n + n) mod 26</a:t>
+            </a:r>
+            <a:endParaRPr b="0" lang="en-US" sz="3200" spc="-1" strike="noStrike">
+              <a:latin typeface="Arial"/>
+            </a:endParaRPr>
+          </a:p>
+          <a:p>
+            <a:pPr marL="432000" indent="-324000">
+              <a:spcBef>
+                <a:spcPts val="1417"/>
+              </a:spcBef>
+              <a:buClr>
+                <a:srgbClr val="000000"/>
+              </a:buClr>
+              <a:buSzPct val="45000"/>
+              <a:buFont typeface="Wingdings" charset="2"/>
+              <a:buChar char=""/>
+            </a:pPr>
+            <a:r>
+              <a:rPr b="0" lang="en-US" sz="3200" spc="-1" strike="noStrike">
+                <a:latin typeface="Arial"/>
+              </a:rPr>
+              <a:t>Perform double transformation once more</a:t>
             </a:r>
             <a:endParaRPr b="0" lang="en-US" sz="3200" spc="-1" strike="noStrike">
               <a:latin typeface="Arial"/>
@@ -6693,7 +6747,7 @@
               <a:rPr b="0" lang="en-US" sz="3200" spc="-1" strike="noStrike">
                 <a:latin typeface="Arial"/>
               </a:rPr>
-              <a:t>Betel Shift Beta – Shift Order or S [0, 0, 9, 0, 0]</a:t>
+              <a:t>Betel Shift Alpha – Shift Order or S [0, 9, 0, 9, 0]</a:t>
             </a:r>
             <a:endParaRPr b="0" lang="en-US" sz="3200" spc="-1" strike="noStrike">
               <a:latin typeface="Arial"/>
@@ -6804,7 +6858,7 @@
               <a:rPr b="0" lang="en-US" sz="4400" spc="-1" strike="noStrike">
                 <a:latin typeface="Arial"/>
               </a:rPr>
-              <a:t>Betel Heqet Venus Output</a:t>
+              <a:t>Betel Heqet Venus Transformation</a:t>
             </a:r>
             <a:endParaRPr b="0" lang="en-US" sz="4400" spc="-1" strike="noStrike">
               <a:latin typeface="Arial"/>
@@ -6851,51 +6905,51 @@
               <a:rPr b="0" lang="en-US" sz="3200" spc="-1" strike="noStrike">
                 <a:latin typeface="Arial"/>
               </a:rPr>
-              <a:t>Output should be read in the follow order</a:t>
-            </a:r>
-            <a:endParaRPr b="0" lang="en-US" sz="3200" spc="-1" strike="noStrike">
-              <a:latin typeface="Arial"/>
-            </a:endParaRPr>
-          </a:p>
-          <a:p>
-            <a:pPr marL="432000" indent="-324000">
-              <a:spcBef>
-                <a:spcPts val="1417"/>
-              </a:spcBef>
-              <a:buClr>
-                <a:srgbClr val="000000"/>
-              </a:buClr>
-              <a:buSzPct val="45000"/>
-              <a:buFont typeface="Wingdings" charset="2"/>
-              <a:buChar char=""/>
-            </a:pPr>
-            <a:r>
-              <a:rPr b="0" lang="en-US" sz="3200" spc="-1" strike="noStrike">
-                <a:latin typeface="Arial"/>
-              </a:rPr>
-              <a:t>Delta</a:t>
-            </a:r>
-            <a:endParaRPr b="0" lang="en-US" sz="3200" spc="-1" strike="noStrike">
-              <a:latin typeface="Arial"/>
-            </a:endParaRPr>
-          </a:p>
-          <a:p>
-            <a:pPr marL="432000" indent="-324000">
-              <a:spcBef>
-                <a:spcPts val="1417"/>
-              </a:spcBef>
-              <a:buClr>
-                <a:srgbClr val="000000"/>
-              </a:buClr>
-              <a:buSzPct val="45000"/>
-              <a:buFont typeface="Wingdings" charset="2"/>
-              <a:buChar char=""/>
-            </a:pPr>
-            <a:r>
-              <a:rPr b="0" lang="en-US" sz="3200" spc="-1" strike="noStrike">
-                <a:latin typeface="Arial"/>
-              </a:rPr>
-              <a:t>Beta Alpha </a:t>
+              <a:t>Betel Shift Beta – Shift Order or S [0, 0, 9, 0, 0]</a:t>
+            </a:r>
+            <a:endParaRPr b="0" lang="en-US" sz="3200" spc="-1" strike="noStrike">
+              <a:latin typeface="Arial"/>
+            </a:endParaRPr>
+          </a:p>
+          <a:p>
+            <a:pPr marL="432000" indent="-324000">
+              <a:spcBef>
+                <a:spcPts val="1417"/>
+              </a:spcBef>
+              <a:buClr>
+                <a:srgbClr val="000000"/>
+              </a:buClr>
+              <a:buSzPct val="45000"/>
+              <a:buFont typeface="Wingdings" charset="2"/>
+              <a:buChar char=""/>
+            </a:pPr>
+            <a:r>
+              <a:rPr b="0" lang="en-US" sz="3200" spc="-1" strike="noStrike">
+                <a:latin typeface="Arial"/>
+              </a:rPr>
+              <a:t>Add each number to the corresponding shift order modulo 26</a:t>
+            </a:r>
+            <a:endParaRPr b="0" lang="en-US" sz="3200" spc="-1" strike="noStrike">
+              <a:latin typeface="Arial"/>
+            </a:endParaRPr>
+          </a:p>
+          <a:p>
+            <a:pPr marL="432000" indent="-324000">
+              <a:spcBef>
+                <a:spcPts val="1417"/>
+              </a:spcBef>
+              <a:buClr>
+                <a:srgbClr val="000000"/>
+              </a:buClr>
+              <a:buSzPct val="45000"/>
+              <a:buFont typeface="Wingdings" charset="2"/>
+              <a:buChar char=""/>
+            </a:pPr>
+            <a:r>
+              <a:rPr b="0" lang="en-US" sz="3200" spc="-1" strike="noStrike">
+                <a:latin typeface="Arial"/>
+              </a:rPr>
+              <a:t>(n + s) mod 26 </a:t>
             </a:r>
             <a:endParaRPr b="0" lang="en-US" sz="3200" spc="-1" strike="noStrike">
               <a:latin typeface="Arial"/>
@@ -6962,7 +7016,7 @@
               <a:rPr b="0" lang="en-US" sz="4400" spc="-1" strike="noStrike">
                 <a:latin typeface="Arial"/>
               </a:rPr>
-              <a:t>Betelgeuse Hecate Venus</a:t>
+              <a:t>Betel Heqet Venus Transformation</a:t>
             </a:r>
             <a:endParaRPr b="0" lang="en-US" sz="4400" spc="-1" strike="noStrike">
               <a:latin typeface="Arial"/>
@@ -7009,73 +7063,51 @@
               <a:rPr b="0" lang="en-US" sz="3200" spc="-1" strike="noStrike">
                 <a:latin typeface="Arial"/>
               </a:rPr>
-              <a:t>Draw Door West</a:t>
-            </a:r>
-            <a:endParaRPr b="0" lang="en-US" sz="3200" spc="-1" strike="noStrike">
-              <a:latin typeface="Arial"/>
-            </a:endParaRPr>
-          </a:p>
-          <a:p>
-            <a:pPr marL="432000" indent="-324000">
-              <a:spcBef>
-                <a:spcPts val="1417"/>
-              </a:spcBef>
-              <a:buClr>
-                <a:srgbClr val="000000"/>
-              </a:buClr>
-              <a:buSzPct val="45000"/>
-              <a:buFont typeface="Wingdings" charset="2"/>
-              <a:buChar char=""/>
-            </a:pPr>
-            <a:r>
-              <a:rPr b="0" lang="en-US" sz="3200" spc="-1" strike="noStrike">
-                <a:latin typeface="Arial"/>
-              </a:rPr>
-              <a:t>DRDRW</a:t>
-            </a:r>
-            <a:endParaRPr b="0" lang="en-US" sz="3200" spc="-1" strike="noStrike">
-              <a:latin typeface="Arial"/>
-            </a:endParaRPr>
-          </a:p>
-          <a:p>
-            <a:pPr marL="432000" indent="-324000">
-              <a:spcBef>
-                <a:spcPts val="1417"/>
-              </a:spcBef>
-              <a:buClr>
-                <a:srgbClr val="000000"/>
-              </a:buClr>
-              <a:buSzPct val="45000"/>
-              <a:buFont typeface="Wingdings" charset="2"/>
-              <a:buChar char=""/>
-            </a:pPr>
-            <a:r>
-              <a:rPr b="0" lang="en-US" sz="3200" spc="-1" strike="noStrike">
-                <a:latin typeface="Arial"/>
-              </a:rPr>
-              <a:t>BETELGEUSE HECATE BETELGEUSE HECATE VENUS</a:t>
-            </a:r>
-            <a:endParaRPr b="0" lang="en-US" sz="3200" spc="-1" strike="noStrike">
-              <a:latin typeface="Arial"/>
-            </a:endParaRPr>
-          </a:p>
-          <a:p>
-            <a:pPr marL="432000" indent="-324000">
-              <a:spcBef>
-                <a:spcPts val="1417"/>
-              </a:spcBef>
-              <a:buClr>
-                <a:srgbClr val="000000"/>
-              </a:buClr>
-              <a:buSzPct val="45000"/>
-              <a:buFont typeface="Wingdings" charset="2"/>
-              <a:buChar char=""/>
-            </a:pPr>
-            <a:r>
-              <a:rPr b="0" lang="en-US" sz="3200" spc="-1" strike="noStrike">
-                <a:latin typeface="Arial"/>
-              </a:rPr>
-              <a:t>BHBHV</a:t>
+              <a:t>Betel Shift Gamma – Shift Order or S [2, 10, 2, 10, 1]</a:t>
+            </a:r>
+            <a:endParaRPr b="0" lang="en-US" sz="3200" spc="-1" strike="noStrike">
+              <a:latin typeface="Arial"/>
+            </a:endParaRPr>
+          </a:p>
+          <a:p>
+            <a:pPr marL="432000" indent="-324000">
+              <a:spcBef>
+                <a:spcPts val="1417"/>
+              </a:spcBef>
+              <a:buClr>
+                <a:srgbClr val="000000"/>
+              </a:buClr>
+              <a:buSzPct val="45000"/>
+              <a:buFont typeface="Wingdings" charset="2"/>
+              <a:buChar char=""/>
+            </a:pPr>
+            <a:r>
+              <a:rPr b="0" lang="en-US" sz="3200" spc="-1" strike="noStrike">
+                <a:latin typeface="Arial"/>
+              </a:rPr>
+              <a:t>Add each number to the corresponding shift order modulo 26</a:t>
+            </a:r>
+            <a:endParaRPr b="0" lang="en-US" sz="3200" spc="-1" strike="noStrike">
+              <a:latin typeface="Arial"/>
+            </a:endParaRPr>
+          </a:p>
+          <a:p>
+            <a:pPr marL="432000" indent="-324000">
+              <a:spcBef>
+                <a:spcPts val="1417"/>
+              </a:spcBef>
+              <a:buClr>
+                <a:srgbClr val="000000"/>
+              </a:buClr>
+              <a:buSzPct val="45000"/>
+              <a:buFont typeface="Wingdings" charset="2"/>
+              <a:buChar char=""/>
+            </a:pPr>
+            <a:r>
+              <a:rPr b="0" lang="en-US" sz="3200" spc="-1" strike="noStrike">
+                <a:latin typeface="Arial"/>
+              </a:rPr>
+              <a:t>(n + s) mod 26 </a:t>
             </a:r>
             <a:endParaRPr b="0" lang="en-US" sz="3200" spc="-1" strike="noStrike">
               <a:latin typeface="Arial"/>
@@ -7142,7 +7174,7 @@
               <a:rPr b="0" lang="en-US" sz="4400" spc="-1" strike="noStrike">
                 <a:latin typeface="Arial"/>
               </a:rPr>
-              <a:t>Egyptian Dictionary</a:t>
+              <a:t>Betel Heqet Venus Output</a:t>
             </a:r>
             <a:endParaRPr b="0" lang="en-US" sz="4400" spc="-1" strike="noStrike">
               <a:latin typeface="Arial"/>
@@ -7189,95 +7221,51 @@
               <a:rPr b="0" lang="en-US" sz="3200" spc="-1" strike="noStrike">
                 <a:latin typeface="Arial"/>
               </a:rPr>
-              <a:t>Q = N = A = AN</a:t>
-            </a:r>
-            <a:endParaRPr b="0" lang="en-US" sz="3200" spc="-1" strike="noStrike">
-              <a:latin typeface="Arial"/>
-            </a:endParaRPr>
-          </a:p>
-          <a:p>
-            <a:pPr marL="432000" indent="-324000">
-              <a:spcBef>
-                <a:spcPts val="1417"/>
-              </a:spcBef>
-              <a:buClr>
-                <a:srgbClr val="000000"/>
-              </a:buClr>
-              <a:buSzPct val="45000"/>
-              <a:buFont typeface="Wingdings" charset="2"/>
-              <a:buChar char=""/>
-            </a:pPr>
-            <a:r>
-              <a:rPr b="0" lang="en-US" sz="3200" spc="-1" strike="noStrike">
-                <a:latin typeface="Arial"/>
-              </a:rPr>
-              <a:t>A = NAAN</a:t>
-            </a:r>
-            <a:endParaRPr b="0" lang="en-US" sz="3200" spc="-1" strike="noStrike">
-              <a:latin typeface="Arial"/>
-            </a:endParaRPr>
-          </a:p>
-          <a:p>
-            <a:pPr marL="432000" indent="-324000">
-              <a:spcBef>
-                <a:spcPts val="1417"/>
-              </a:spcBef>
-              <a:buClr>
-                <a:srgbClr val="000000"/>
-              </a:buClr>
-              <a:buSzPct val="45000"/>
-              <a:buFont typeface="Wingdings" charset="2"/>
-              <a:buChar char=""/>
-            </a:pPr>
-            <a:r>
-              <a:rPr b="0" lang="en-US" sz="3200" spc="-1" strike="noStrike">
-                <a:latin typeface="Arial"/>
-              </a:rPr>
-              <a:t>Q = ANNA</a:t>
-            </a:r>
-            <a:endParaRPr b="0" lang="en-US" sz="3200" spc="-1" strike="noStrike">
-              <a:latin typeface="Arial"/>
-            </a:endParaRPr>
-          </a:p>
-          <a:p>
-            <a:pPr marL="432000" indent="-324000">
-              <a:spcBef>
-                <a:spcPts val="1417"/>
-              </a:spcBef>
-              <a:buClr>
-                <a:srgbClr val="000000"/>
-              </a:buClr>
-              <a:buSzPct val="45000"/>
-              <a:buFont typeface="Wingdings" charset="2"/>
-              <a:buChar char=""/>
-            </a:pPr>
-            <a:r>
-              <a:rPr b="0" lang="en-US" sz="3200" spc="-1" strike="noStrike">
-                <a:latin typeface="Arial"/>
-              </a:rPr>
-              <a:t>Q = Q(R(T))</a:t>
-            </a:r>
-            <a:endParaRPr b="0" lang="en-US" sz="3200" spc="-1" strike="noStrike">
-              <a:latin typeface="Arial"/>
-            </a:endParaRPr>
-          </a:p>
-          <a:p>
-            <a:pPr marL="432000" indent="-324000">
-              <a:spcBef>
-                <a:spcPts val="1417"/>
-              </a:spcBef>
-              <a:buClr>
-                <a:srgbClr val="000000"/>
-              </a:buClr>
-              <a:buSzPct val="45000"/>
-              <a:buFont typeface="Wingdings" charset="2"/>
-              <a:buChar char=""/>
-            </a:pPr>
-            <a:r>
-              <a:rPr b="0" lang="en-US" sz="3200" spc="-1" strike="noStrike">
-                <a:latin typeface="Arial"/>
-              </a:rPr>
-              <a:t>H = HEQET</a:t>
+              <a:t>Output should be read in the follow order</a:t>
+            </a:r>
+            <a:endParaRPr b="0" lang="en-US" sz="3200" spc="-1" strike="noStrike">
+              <a:latin typeface="Arial"/>
+            </a:endParaRPr>
+          </a:p>
+          <a:p>
+            <a:pPr marL="432000" indent="-324000">
+              <a:spcBef>
+                <a:spcPts val="1417"/>
+              </a:spcBef>
+              <a:buClr>
+                <a:srgbClr val="000000"/>
+              </a:buClr>
+              <a:buSzPct val="45000"/>
+              <a:buFont typeface="Wingdings" charset="2"/>
+              <a:buChar char=""/>
+            </a:pPr>
+            <a:r>
+              <a:rPr b="0" lang="en-US" sz="3200" spc="-1" strike="noStrike">
+                <a:latin typeface="Arial"/>
+              </a:rPr>
+              <a:t>Delta</a:t>
+            </a:r>
+            <a:endParaRPr b="0" lang="en-US" sz="3200" spc="-1" strike="noStrike">
+              <a:latin typeface="Arial"/>
+            </a:endParaRPr>
+          </a:p>
+          <a:p>
+            <a:pPr marL="432000" indent="-324000">
+              <a:spcBef>
+                <a:spcPts val="1417"/>
+              </a:spcBef>
+              <a:buClr>
+                <a:srgbClr val="000000"/>
+              </a:buClr>
+              <a:buSzPct val="45000"/>
+              <a:buFont typeface="Wingdings" charset="2"/>
+              <a:buChar char=""/>
+            </a:pPr>
+            <a:r>
+              <a:rPr b="0" lang="en-US" sz="3200" spc="-1" strike="noStrike">
+                <a:latin typeface="Arial"/>
+              </a:rPr>
+              <a:t>Beta Alpha </a:t>
             </a:r>
             <a:endParaRPr b="0" lang="en-US" sz="3200" spc="-1" strike="noStrike">
               <a:latin typeface="Arial"/>
@@ -7344,7 +7332,7 @@
               <a:rPr b="0" lang="en-US" sz="4400" spc="-1" strike="noStrike">
                 <a:latin typeface="Arial"/>
               </a:rPr>
-              <a:t>Egyptian Dictionary</a:t>
+              <a:t>Betelgeuse Hecate Venus</a:t>
             </a:r>
             <a:endParaRPr b="0" lang="en-US" sz="4400" spc="-1" strike="noStrike">
               <a:latin typeface="Arial"/>
@@ -7391,73 +7379,73 @@
               <a:rPr b="0" lang="en-US" sz="3200" spc="-1" strike="noStrike">
                 <a:latin typeface="Arial"/>
               </a:rPr>
-              <a:t>B = BETEL (BETELGEUSE)</a:t>
-            </a:r>
-            <a:endParaRPr b="0" lang="en-US" sz="3200" spc="-1" strike="noStrike">
-              <a:latin typeface="Arial"/>
-            </a:endParaRPr>
-          </a:p>
-          <a:p>
-            <a:pPr marL="432000" indent="-324000">
-              <a:spcBef>
-                <a:spcPts val="1417"/>
-              </a:spcBef>
-              <a:buClr>
-                <a:srgbClr val="000000"/>
-              </a:buClr>
-              <a:buSzPct val="45000"/>
-              <a:buFont typeface="Wingdings" charset="2"/>
-              <a:buChar char=""/>
-            </a:pPr>
-            <a:r>
-              <a:rPr b="0" lang="en-US" sz="3200" spc="-1" strike="noStrike">
-                <a:latin typeface="Arial"/>
-              </a:rPr>
-              <a:t>T = THOTH (INNER THOUGHT)</a:t>
-            </a:r>
-            <a:endParaRPr b="0" lang="en-US" sz="3200" spc="-1" strike="noStrike">
-              <a:latin typeface="Arial"/>
-            </a:endParaRPr>
-          </a:p>
-          <a:p>
-            <a:pPr marL="432000" indent="-324000">
-              <a:spcBef>
-                <a:spcPts val="1417"/>
-              </a:spcBef>
-              <a:buClr>
-                <a:srgbClr val="000000"/>
-              </a:buClr>
-              <a:buSzPct val="45000"/>
-              <a:buFont typeface="Wingdings" charset="2"/>
-              <a:buChar char=""/>
-            </a:pPr>
-            <a:r>
-              <a:rPr b="0" lang="en-US" sz="3200" spc="-1" strike="noStrike">
-                <a:latin typeface="Arial"/>
-              </a:rPr>
-              <a:t>R = RA (INNER SIGHT)</a:t>
-            </a:r>
-            <a:endParaRPr b="0" lang="en-US" sz="3200" spc="-1" strike="noStrike">
-              <a:latin typeface="Arial"/>
-            </a:endParaRPr>
-          </a:p>
-          <a:p>
-            <a:pPr marL="432000" indent="-324000">
-              <a:spcBef>
-                <a:spcPts val="1417"/>
-              </a:spcBef>
-              <a:buClr>
-                <a:srgbClr val="000000"/>
-              </a:buClr>
-              <a:buSzPct val="45000"/>
-              <a:buFont typeface="Wingdings" charset="2"/>
-              <a:buChar char=""/>
-            </a:pPr>
-            <a:r>
-              <a:rPr b="0" lang="en-US" sz="3200" spc="-1" strike="noStrike">
-                <a:latin typeface="Arial"/>
-              </a:rPr>
-              <a:t>Q = A (SPIRIT OR SOUL)</a:t>
+              <a:t>Draw Door West</a:t>
+            </a:r>
+            <a:endParaRPr b="0" lang="en-US" sz="3200" spc="-1" strike="noStrike">
+              <a:latin typeface="Arial"/>
+            </a:endParaRPr>
+          </a:p>
+          <a:p>
+            <a:pPr marL="432000" indent="-324000">
+              <a:spcBef>
+                <a:spcPts val="1417"/>
+              </a:spcBef>
+              <a:buClr>
+                <a:srgbClr val="000000"/>
+              </a:buClr>
+              <a:buSzPct val="45000"/>
+              <a:buFont typeface="Wingdings" charset="2"/>
+              <a:buChar char=""/>
+            </a:pPr>
+            <a:r>
+              <a:rPr b="0" lang="en-US" sz="3200" spc="-1" strike="noStrike">
+                <a:latin typeface="Arial"/>
+              </a:rPr>
+              <a:t>DRDRW</a:t>
+            </a:r>
+            <a:endParaRPr b="0" lang="en-US" sz="3200" spc="-1" strike="noStrike">
+              <a:latin typeface="Arial"/>
+            </a:endParaRPr>
+          </a:p>
+          <a:p>
+            <a:pPr marL="432000" indent="-324000">
+              <a:spcBef>
+                <a:spcPts val="1417"/>
+              </a:spcBef>
+              <a:buClr>
+                <a:srgbClr val="000000"/>
+              </a:buClr>
+              <a:buSzPct val="45000"/>
+              <a:buFont typeface="Wingdings" charset="2"/>
+              <a:buChar char=""/>
+            </a:pPr>
+            <a:r>
+              <a:rPr b="0" lang="en-US" sz="3200" spc="-1" strike="noStrike">
+                <a:latin typeface="Arial"/>
+              </a:rPr>
+              <a:t>BETELGEUSE HECATE BETELGEUSE HECATE VENUS</a:t>
+            </a:r>
+            <a:endParaRPr b="0" lang="en-US" sz="3200" spc="-1" strike="noStrike">
+              <a:latin typeface="Arial"/>
+            </a:endParaRPr>
+          </a:p>
+          <a:p>
+            <a:pPr marL="432000" indent="-324000">
+              <a:spcBef>
+                <a:spcPts val="1417"/>
+              </a:spcBef>
+              <a:buClr>
+                <a:srgbClr val="000000"/>
+              </a:buClr>
+              <a:buSzPct val="45000"/>
+              <a:buFont typeface="Wingdings" charset="2"/>
+              <a:buChar char=""/>
+            </a:pPr>
+            <a:r>
+              <a:rPr b="0" lang="en-US" sz="3200" spc="-1" strike="noStrike">
+                <a:latin typeface="Arial"/>
+              </a:rPr>
+              <a:t>BHBHV</a:t>
             </a:r>
             <a:endParaRPr b="0" lang="en-US" sz="3200" spc="-1" strike="noStrike">
               <a:latin typeface="Arial"/>
@@ -7571,73 +7559,95 @@
               <a:rPr b="0" lang="en-US" sz="3200" spc="-1" strike="noStrike">
                 <a:latin typeface="Arial"/>
               </a:rPr>
-              <a:t>W = WAJDET (OR WEST)</a:t>
-            </a:r>
-            <a:endParaRPr b="0" lang="en-US" sz="3200" spc="-1" strike="noStrike">
-              <a:latin typeface="Arial"/>
-            </a:endParaRPr>
-          </a:p>
-          <a:p>
-            <a:pPr marL="432000" indent="-324000">
-              <a:spcBef>
-                <a:spcPts val="1417"/>
-              </a:spcBef>
-              <a:buClr>
-                <a:srgbClr val="000000"/>
-              </a:buClr>
-              <a:buSzPct val="45000"/>
-              <a:buFont typeface="Wingdings" charset="2"/>
-              <a:buChar char=""/>
-            </a:pPr>
-            <a:r>
-              <a:rPr b="0" lang="en-US" sz="3200" spc="-1" strike="noStrike">
-                <a:latin typeface="Arial"/>
-              </a:rPr>
-              <a:t>S = SOTHIS / SERPENT (OR SOUTH OR SHIFT)</a:t>
-            </a:r>
-            <a:endParaRPr b="0" lang="en-US" sz="3200" spc="-1" strike="noStrike">
-              <a:latin typeface="Arial"/>
-            </a:endParaRPr>
-          </a:p>
-          <a:p>
-            <a:pPr marL="432000" indent="-324000">
-              <a:spcBef>
-                <a:spcPts val="1417"/>
-              </a:spcBef>
-              <a:buClr>
-                <a:srgbClr val="000000"/>
-              </a:buClr>
-              <a:buSzPct val="45000"/>
-              <a:buFont typeface="Wingdings" charset="2"/>
-              <a:buChar char=""/>
-            </a:pPr>
-            <a:r>
-              <a:rPr b="0" lang="en-US" sz="3200" spc="-1" strike="noStrike">
-                <a:latin typeface="Arial"/>
-              </a:rPr>
-              <a:t>RW = RIGHT WING (SHIFT -1 OR VARIABLE)</a:t>
-            </a:r>
-            <a:endParaRPr b="0" lang="en-US" sz="3200" spc="-1" strike="noStrike">
-              <a:latin typeface="Arial"/>
-            </a:endParaRPr>
-          </a:p>
-          <a:p>
-            <a:pPr marL="432000" indent="-324000">
-              <a:spcBef>
-                <a:spcPts val="1417"/>
-              </a:spcBef>
-              <a:buClr>
-                <a:srgbClr val="000000"/>
-              </a:buClr>
-              <a:buSzPct val="45000"/>
-              <a:buFont typeface="Wingdings" charset="2"/>
-              <a:buChar char=""/>
-            </a:pPr>
-            <a:r>
-              <a:rPr b="0" lang="en-US" sz="3200" spc="-1" strike="noStrike">
-                <a:latin typeface="Arial"/>
-              </a:rPr>
-              <a:t>LS = LEFT SHIFT (SHIFT -/+ 2 OR VARIABLE)</a:t>
+              <a:t>Q = N = A = AN</a:t>
+            </a:r>
+            <a:endParaRPr b="0" lang="en-US" sz="3200" spc="-1" strike="noStrike">
+              <a:latin typeface="Arial"/>
+            </a:endParaRPr>
+          </a:p>
+          <a:p>
+            <a:pPr marL="432000" indent="-324000">
+              <a:spcBef>
+                <a:spcPts val="1417"/>
+              </a:spcBef>
+              <a:buClr>
+                <a:srgbClr val="000000"/>
+              </a:buClr>
+              <a:buSzPct val="45000"/>
+              <a:buFont typeface="Wingdings" charset="2"/>
+              <a:buChar char=""/>
+            </a:pPr>
+            <a:r>
+              <a:rPr b="0" lang="en-US" sz="3200" spc="-1" strike="noStrike">
+                <a:latin typeface="Arial"/>
+              </a:rPr>
+              <a:t>A = NAAN</a:t>
+            </a:r>
+            <a:endParaRPr b="0" lang="en-US" sz="3200" spc="-1" strike="noStrike">
+              <a:latin typeface="Arial"/>
+            </a:endParaRPr>
+          </a:p>
+          <a:p>
+            <a:pPr marL="432000" indent="-324000">
+              <a:spcBef>
+                <a:spcPts val="1417"/>
+              </a:spcBef>
+              <a:buClr>
+                <a:srgbClr val="000000"/>
+              </a:buClr>
+              <a:buSzPct val="45000"/>
+              <a:buFont typeface="Wingdings" charset="2"/>
+              <a:buChar char=""/>
+            </a:pPr>
+            <a:r>
+              <a:rPr b="0" lang="en-US" sz="3200" spc="-1" strike="noStrike">
+                <a:latin typeface="Arial"/>
+              </a:rPr>
+              <a:t>Q = ANNA</a:t>
+            </a:r>
+            <a:endParaRPr b="0" lang="en-US" sz="3200" spc="-1" strike="noStrike">
+              <a:latin typeface="Arial"/>
+            </a:endParaRPr>
+          </a:p>
+          <a:p>
+            <a:pPr marL="432000" indent="-324000">
+              <a:spcBef>
+                <a:spcPts val="1417"/>
+              </a:spcBef>
+              <a:buClr>
+                <a:srgbClr val="000000"/>
+              </a:buClr>
+              <a:buSzPct val="45000"/>
+              <a:buFont typeface="Wingdings" charset="2"/>
+              <a:buChar char=""/>
+            </a:pPr>
+            <a:r>
+              <a:rPr b="0" lang="en-US" sz="3200" spc="-1" strike="noStrike">
+                <a:latin typeface="Arial"/>
+              </a:rPr>
+              <a:t>Q = Q(R(T))</a:t>
+            </a:r>
+            <a:endParaRPr b="0" lang="en-US" sz="3200" spc="-1" strike="noStrike">
+              <a:latin typeface="Arial"/>
+            </a:endParaRPr>
+          </a:p>
+          <a:p>
+            <a:pPr marL="432000" indent="-324000">
+              <a:spcBef>
+                <a:spcPts val="1417"/>
+              </a:spcBef>
+              <a:buClr>
+                <a:srgbClr val="000000"/>
+              </a:buClr>
+              <a:buSzPct val="45000"/>
+              <a:buFont typeface="Wingdings" charset="2"/>
+              <a:buChar char=""/>
+            </a:pPr>
+            <a:r>
+              <a:rPr b="0" lang="en-US" sz="3200" spc="-1" strike="noStrike">
+                <a:latin typeface="Arial"/>
+              </a:rPr>
+              <a:t>H = HEQET</a:t>
             </a:r>
             <a:endParaRPr b="0" lang="en-US" sz="3200" spc="-1" strike="noStrike">
               <a:latin typeface="Arial"/>
@@ -7887,95 +7897,73 @@
               <a:rPr b="0" lang="en-US" sz="3200" spc="-1" strike="noStrike">
                 <a:latin typeface="Arial"/>
               </a:rPr>
-              <a:t>A = All Things (Light / Dark)</a:t>
-            </a:r>
-            <a:endParaRPr b="0" lang="en-US" sz="3200" spc="-1" strike="noStrike">
-              <a:latin typeface="Arial"/>
-            </a:endParaRPr>
-          </a:p>
-          <a:p>
-            <a:pPr marL="432000" indent="-324000">
-              <a:spcBef>
-                <a:spcPts val="1417"/>
-              </a:spcBef>
-              <a:buClr>
-                <a:srgbClr val="000000"/>
-              </a:buClr>
-              <a:buSzPct val="45000"/>
-              <a:buFont typeface="Wingdings" charset="2"/>
-              <a:buChar char=""/>
-            </a:pPr>
-            <a:r>
-              <a:rPr b="0" lang="en-US" sz="3200" spc="-1" strike="noStrike">
-                <a:latin typeface="Arial"/>
-              </a:rPr>
-              <a:t>Q = NEFERTITI + AN</a:t>
-            </a:r>
-            <a:endParaRPr b="0" lang="en-US" sz="3200" spc="-1" strike="noStrike">
-              <a:latin typeface="Arial"/>
-            </a:endParaRPr>
-          </a:p>
-          <a:p>
-            <a:pPr marL="432000" indent="-324000">
-              <a:spcBef>
-                <a:spcPts val="1417"/>
-              </a:spcBef>
-              <a:buClr>
-                <a:srgbClr val="000000"/>
-              </a:buClr>
-              <a:buSzPct val="45000"/>
-              <a:buFont typeface="Wingdings" charset="2"/>
-              <a:buChar char=""/>
-            </a:pPr>
-            <a:r>
-              <a:rPr b="0" lang="en-US" sz="3200" spc="-1" strike="noStrike">
-                <a:latin typeface="Arial"/>
-              </a:rPr>
-              <a:t>A = AN + NEFERTITI</a:t>
-            </a:r>
-            <a:endParaRPr b="0" lang="en-US" sz="3200" spc="-1" strike="noStrike">
-              <a:latin typeface="Arial"/>
-            </a:endParaRPr>
-          </a:p>
-          <a:p>
-            <a:pPr marL="432000" indent="-324000">
-              <a:spcBef>
-                <a:spcPts val="1417"/>
-              </a:spcBef>
-              <a:buClr>
-                <a:srgbClr val="000000"/>
-              </a:buClr>
-              <a:buSzPct val="45000"/>
-              <a:buFont typeface="Wingdings" charset="2"/>
-              <a:buChar char=""/>
-            </a:pPr>
-            <a:r>
-              <a:rPr b="0" lang="en-US" sz="3200" spc="-1" strike="noStrike">
-                <a:latin typeface="Arial"/>
-              </a:rPr>
-              <a:t>Q = NEFERTITI</a:t>
-            </a:r>
-            <a:endParaRPr b="0" lang="en-US" sz="3200" spc="-1" strike="noStrike">
-              <a:latin typeface="Arial"/>
-            </a:endParaRPr>
-          </a:p>
-          <a:p>
-            <a:pPr marL="432000" indent="-324000">
-              <a:spcBef>
-                <a:spcPts val="1417"/>
-              </a:spcBef>
-              <a:buClr>
-                <a:srgbClr val="000000"/>
-              </a:buClr>
-              <a:buSzPct val="45000"/>
-              <a:buFont typeface="Wingdings" charset="2"/>
-              <a:buChar char=""/>
-            </a:pPr>
-            <a:r>
-              <a:rPr b="0" lang="en-US" sz="3200" spc="-1" strike="noStrike">
-                <a:latin typeface="Arial"/>
-              </a:rPr>
-              <a:t>N = NEFERTITI</a:t>
+              <a:t>B = BETEL (BETELGEUSE)</a:t>
+            </a:r>
+            <a:endParaRPr b="0" lang="en-US" sz="3200" spc="-1" strike="noStrike">
+              <a:latin typeface="Arial"/>
+            </a:endParaRPr>
+          </a:p>
+          <a:p>
+            <a:pPr marL="432000" indent="-324000">
+              <a:spcBef>
+                <a:spcPts val="1417"/>
+              </a:spcBef>
+              <a:buClr>
+                <a:srgbClr val="000000"/>
+              </a:buClr>
+              <a:buSzPct val="45000"/>
+              <a:buFont typeface="Wingdings" charset="2"/>
+              <a:buChar char=""/>
+            </a:pPr>
+            <a:r>
+              <a:rPr b="0" lang="en-US" sz="3200" spc="-1" strike="noStrike">
+                <a:latin typeface="Arial"/>
+              </a:rPr>
+              <a:t>T = THOTH (INNER THOUGHT)</a:t>
+            </a:r>
+            <a:endParaRPr b="0" lang="en-US" sz="3200" spc="-1" strike="noStrike">
+              <a:latin typeface="Arial"/>
+            </a:endParaRPr>
+          </a:p>
+          <a:p>
+            <a:pPr marL="432000" indent="-324000">
+              <a:spcBef>
+                <a:spcPts val="1417"/>
+              </a:spcBef>
+              <a:buClr>
+                <a:srgbClr val="000000"/>
+              </a:buClr>
+              <a:buSzPct val="45000"/>
+              <a:buFont typeface="Wingdings" charset="2"/>
+              <a:buChar char=""/>
+            </a:pPr>
+            <a:r>
+              <a:rPr b="0" lang="en-US" sz="3200" spc="-1" strike="noStrike">
+                <a:latin typeface="Arial"/>
+              </a:rPr>
+              <a:t>R = RA (INNER SIGHT)</a:t>
+            </a:r>
+            <a:endParaRPr b="0" lang="en-US" sz="3200" spc="-1" strike="noStrike">
+              <a:latin typeface="Arial"/>
+            </a:endParaRPr>
+          </a:p>
+          <a:p>
+            <a:pPr marL="432000" indent="-324000">
+              <a:spcBef>
+                <a:spcPts val="1417"/>
+              </a:spcBef>
+              <a:buClr>
+                <a:srgbClr val="000000"/>
+              </a:buClr>
+              <a:buSzPct val="45000"/>
+              <a:buFont typeface="Wingdings" charset="2"/>
+              <a:buChar char=""/>
+            </a:pPr>
+            <a:r>
+              <a:rPr b="0" lang="en-US" sz="3200" spc="-1" strike="noStrike">
+                <a:latin typeface="Arial"/>
+              </a:rPr>
+              <a:t>Q = A (SPIRIT OR SOUL)</a:t>
             </a:r>
             <a:endParaRPr b="0" lang="en-US" sz="3200" spc="-1" strike="noStrike">
               <a:latin typeface="Arial"/>
@@ -8071,135 +8059,91 @@
         </p:spPr>
         <p:txBody>
           <a:bodyPr lIns="0" rIns="0" tIns="0" bIns="0">
-            <a:normAutofit fontScale="85000"/>
-          </a:bodyPr>
-          <a:p>
-            <a:pPr marL="432000" indent="-324000">
-              <a:spcBef>
-                <a:spcPts val="1417"/>
-              </a:spcBef>
-              <a:buClr>
-                <a:srgbClr val="000000"/>
-              </a:buClr>
-              <a:buSzPct val="45000"/>
-              <a:buFont typeface="Wingdings" charset="2"/>
-              <a:buChar char=""/>
-            </a:pPr>
-            <a:r>
-              <a:rPr b="0" lang="en-US" sz="3200" spc="-1" strike="noStrike">
-                <a:latin typeface="Arial"/>
-              </a:rPr>
-              <a:t>Q = HEQET (NORTH OR SOUTH)</a:t>
-            </a:r>
-            <a:endParaRPr b="0" lang="en-US" sz="3200" spc="-1" strike="noStrike">
-              <a:latin typeface="Arial"/>
-            </a:endParaRPr>
-          </a:p>
-          <a:p>
-            <a:pPr marL="432000" indent="-324000">
-              <a:spcBef>
-                <a:spcPts val="1417"/>
-              </a:spcBef>
-              <a:buClr>
-                <a:srgbClr val="000000"/>
-              </a:buClr>
-              <a:buSzPct val="45000"/>
-              <a:buFont typeface="Wingdings" charset="2"/>
-              <a:buChar char=""/>
-            </a:pPr>
-            <a:r>
-              <a:rPr b="0" lang="en-US" sz="3200" spc="-1" strike="noStrike">
-                <a:latin typeface="Arial"/>
-              </a:rPr>
-              <a:t>R = RIGEL (OR RIGHT)</a:t>
-            </a:r>
-            <a:endParaRPr b="0" lang="en-US" sz="3200" spc="-1" strike="noStrike">
-              <a:latin typeface="Arial"/>
-            </a:endParaRPr>
-          </a:p>
-          <a:p>
-            <a:pPr marL="432000" indent="-324000">
-              <a:spcBef>
-                <a:spcPts val="1417"/>
-              </a:spcBef>
-              <a:buClr>
-                <a:srgbClr val="000000"/>
-              </a:buClr>
-              <a:buSzPct val="45000"/>
-              <a:buFont typeface="Wingdings" charset="2"/>
-              <a:buChar char=""/>
-            </a:pPr>
-            <a:r>
-              <a:rPr b="0" lang="en-US" sz="3200" spc="-1" strike="noStrike">
-                <a:latin typeface="Arial"/>
-              </a:rPr>
-              <a:t>A = AUSAR (NORTH OR SOUTH)</a:t>
-            </a:r>
-            <a:endParaRPr b="0" lang="en-US" sz="3200" spc="-1" strike="noStrike">
-              <a:latin typeface="Arial"/>
-            </a:endParaRPr>
-          </a:p>
-          <a:p>
-            <a:pPr marL="432000" indent="-324000">
-              <a:spcBef>
-                <a:spcPts val="1417"/>
-              </a:spcBef>
-              <a:buClr>
-                <a:srgbClr val="000000"/>
-              </a:buClr>
-              <a:buSzPct val="45000"/>
-              <a:buFont typeface="Wingdings" charset="2"/>
-              <a:buChar char=""/>
-            </a:pPr>
-            <a:r>
-              <a:rPr b="0" lang="en-US" sz="3200" spc="-1" strike="noStrike">
-                <a:latin typeface="Arial"/>
-              </a:rPr>
-              <a:t>O = OSIRIS</a:t>
-            </a:r>
-            <a:endParaRPr b="0" lang="en-US" sz="3200" spc="-1" strike="noStrike">
-              <a:latin typeface="Arial"/>
-            </a:endParaRPr>
-          </a:p>
-          <a:p>
-            <a:pPr marL="432000" indent="-324000">
-              <a:spcBef>
-                <a:spcPts val="1417"/>
-              </a:spcBef>
-              <a:buClr>
-                <a:srgbClr val="000000"/>
-              </a:buClr>
-              <a:buSzPct val="45000"/>
-              <a:buFont typeface="Wingdings" charset="2"/>
-              <a:buChar char=""/>
-            </a:pPr>
-            <a:r>
-              <a:rPr b="0" lang="en-US" sz="3200" spc="-1" strike="noStrike">
-                <a:latin typeface="Arial"/>
-              </a:rPr>
-              <a:t>I = ISIS</a:t>
-            </a:r>
-            <a:endParaRPr b="0" lang="en-US" sz="3200" spc="-1" strike="noStrike">
-              <a:latin typeface="Arial"/>
-            </a:endParaRPr>
-          </a:p>
-          <a:p>
-            <a:pPr marL="432000" indent="-324000">
-              <a:spcBef>
-                <a:spcPts val="1417"/>
-              </a:spcBef>
-              <a:buClr>
-                <a:srgbClr val="000000"/>
-              </a:buClr>
-              <a:buSzPct val="45000"/>
-              <a:buFont typeface="Wingdings" charset="2"/>
-              <a:buChar char=""/>
-            </a:pPr>
-            <a:r>
-              <a:rPr b="0" lang="en-US" sz="3200" spc="-1" strike="noStrike">
-                <a:latin typeface="Arial"/>
-              </a:rPr>
-              <a:t>NE = NEPTHYS (OR NORTH EAST)</a:t>
+            <a:normAutofit/>
+          </a:bodyPr>
+          <a:p>
+            <a:pPr marL="432000" indent="-324000">
+              <a:spcBef>
+                <a:spcPts val="1417"/>
+              </a:spcBef>
+              <a:buClr>
+                <a:srgbClr val="000000"/>
+              </a:buClr>
+              <a:buSzPct val="45000"/>
+              <a:buFont typeface="Wingdings" charset="2"/>
+              <a:buChar char=""/>
+            </a:pPr>
+            <a:r>
+              <a:rPr b="0" lang="en-US" sz="3200" spc="-1" strike="noStrike">
+                <a:latin typeface="Arial"/>
+              </a:rPr>
+              <a:t>W = WAJDET (OR WEST)</a:t>
+            </a:r>
+            <a:endParaRPr b="0" lang="en-US" sz="3200" spc="-1" strike="noStrike">
+              <a:latin typeface="Arial"/>
+            </a:endParaRPr>
+          </a:p>
+          <a:p>
+            <a:pPr marL="432000" indent="-324000">
+              <a:spcBef>
+                <a:spcPts val="1417"/>
+              </a:spcBef>
+              <a:buClr>
+                <a:srgbClr val="000000"/>
+              </a:buClr>
+              <a:buSzPct val="45000"/>
+              <a:buFont typeface="Wingdings" charset="2"/>
+              <a:buChar char=""/>
+            </a:pPr>
+            <a:r>
+              <a:rPr b="0" lang="en-US" sz="3200" spc="-1" strike="noStrike">
+                <a:latin typeface="Arial"/>
+              </a:rPr>
+              <a:t>S = SOTHIS / SERPENT (OR SOUTH OR SHIFT)</a:t>
+            </a:r>
+            <a:endParaRPr b="0" lang="en-US" sz="3200" spc="-1" strike="noStrike">
+              <a:latin typeface="Arial"/>
+            </a:endParaRPr>
+          </a:p>
+          <a:p>
+            <a:pPr marL="432000" indent="-324000">
+              <a:spcBef>
+                <a:spcPts val="1417"/>
+              </a:spcBef>
+              <a:buClr>
+                <a:srgbClr val="000000"/>
+              </a:buClr>
+              <a:buSzPct val="45000"/>
+              <a:buFont typeface="Wingdings" charset="2"/>
+              <a:buChar char=""/>
+            </a:pPr>
+            <a:r>
+              <a:rPr b="0" lang="en-US" sz="3200" spc="-1" strike="noStrike">
+                <a:latin typeface="Arial"/>
+              </a:rPr>
+              <a:t>RW = RIGHT WING (SHIFT -1 OR VARIABLE)</a:t>
+            </a:r>
+            <a:endParaRPr b="0" lang="en-US" sz="3200" spc="-1" strike="noStrike">
+              <a:latin typeface="Arial"/>
+            </a:endParaRPr>
+          </a:p>
+          <a:p>
+            <a:pPr marL="432000" indent="-324000">
+              <a:spcBef>
+                <a:spcPts val="1417"/>
+              </a:spcBef>
+              <a:buClr>
+                <a:srgbClr val="000000"/>
+              </a:buClr>
+              <a:buSzPct val="45000"/>
+              <a:buFont typeface="Wingdings" charset="2"/>
+              <a:buChar char=""/>
+            </a:pPr>
+            <a:r>
+              <a:rPr b="0" lang="en-US" sz="3200" spc="-1" strike="noStrike">
+                <a:latin typeface="Arial"/>
+              </a:rPr>
+              <a:t>LS = LEFT SHIFT (SHIFT -/+ 2 OR VARIABLE)</a:t>
             </a:r>
             <a:endParaRPr b="0" lang="en-US" sz="3200" spc="-1" strike="noStrike">
               <a:latin typeface="Arial"/>
@@ -8266,6 +8210,432 @@
               <a:rPr b="0" lang="en-US" sz="4400" spc="-1" strike="noStrike">
                 <a:latin typeface="Arial"/>
               </a:rPr>
+              <a:t>Egyptian Dictionary</a:t>
+            </a:r>
+            <a:endParaRPr b="0" lang="en-US" sz="4400" spc="-1" strike="noStrike">
+              <a:latin typeface="Arial"/>
+            </a:endParaRPr>
+          </a:p>
+        </p:txBody>
+      </p:sp>
+      <p:sp>
+        <p:nvSpPr>
+          <p:cNvPr id="124" name="TextShape 2"/>
+          <p:cNvSpPr txBox="1"/>
+          <p:nvPr/>
+        </p:nvSpPr>
+        <p:spPr>
+          <a:xfrm>
+            <a:off x="504000" y="1326600"/>
+            <a:ext cx="9071640" cy="3288240"/>
+          </a:xfrm>
+          <a:prstGeom prst="rect">
+            <a:avLst/>
+          </a:prstGeom>
+          <a:noFill/>
+          <a:ln>
+            <a:noFill/>
+          </a:ln>
+        </p:spPr>
+        <p:txBody>
+          <a:bodyPr lIns="0" rIns="0" tIns="0" bIns="0">
+            <a:normAutofit/>
+          </a:bodyPr>
+          <a:p>
+            <a:pPr marL="432000" indent="-324000">
+              <a:spcBef>
+                <a:spcPts val="1417"/>
+              </a:spcBef>
+              <a:buClr>
+                <a:srgbClr val="000000"/>
+              </a:buClr>
+              <a:buSzPct val="45000"/>
+              <a:buFont typeface="Wingdings" charset="2"/>
+              <a:buChar char=""/>
+            </a:pPr>
+            <a:r>
+              <a:rPr b="0" lang="en-US" sz="3200" spc="-1" strike="noStrike">
+                <a:latin typeface="Arial"/>
+              </a:rPr>
+              <a:t>A = All Things (Light / Dark)</a:t>
+            </a:r>
+            <a:endParaRPr b="0" lang="en-US" sz="3200" spc="-1" strike="noStrike">
+              <a:latin typeface="Arial"/>
+            </a:endParaRPr>
+          </a:p>
+          <a:p>
+            <a:pPr marL="432000" indent="-324000">
+              <a:spcBef>
+                <a:spcPts val="1417"/>
+              </a:spcBef>
+              <a:buClr>
+                <a:srgbClr val="000000"/>
+              </a:buClr>
+              <a:buSzPct val="45000"/>
+              <a:buFont typeface="Wingdings" charset="2"/>
+              <a:buChar char=""/>
+            </a:pPr>
+            <a:r>
+              <a:rPr b="0" lang="en-US" sz="3200" spc="-1" strike="noStrike">
+                <a:latin typeface="Arial"/>
+              </a:rPr>
+              <a:t>Q = NEFERTITI + AN</a:t>
+            </a:r>
+            <a:endParaRPr b="0" lang="en-US" sz="3200" spc="-1" strike="noStrike">
+              <a:latin typeface="Arial"/>
+            </a:endParaRPr>
+          </a:p>
+          <a:p>
+            <a:pPr marL="432000" indent="-324000">
+              <a:spcBef>
+                <a:spcPts val="1417"/>
+              </a:spcBef>
+              <a:buClr>
+                <a:srgbClr val="000000"/>
+              </a:buClr>
+              <a:buSzPct val="45000"/>
+              <a:buFont typeface="Wingdings" charset="2"/>
+              <a:buChar char=""/>
+            </a:pPr>
+            <a:r>
+              <a:rPr b="0" lang="en-US" sz="3200" spc="-1" strike="noStrike">
+                <a:latin typeface="Arial"/>
+              </a:rPr>
+              <a:t>A = AN + NEFERTITI</a:t>
+            </a:r>
+            <a:endParaRPr b="0" lang="en-US" sz="3200" spc="-1" strike="noStrike">
+              <a:latin typeface="Arial"/>
+            </a:endParaRPr>
+          </a:p>
+          <a:p>
+            <a:pPr marL="432000" indent="-324000">
+              <a:spcBef>
+                <a:spcPts val="1417"/>
+              </a:spcBef>
+              <a:buClr>
+                <a:srgbClr val="000000"/>
+              </a:buClr>
+              <a:buSzPct val="45000"/>
+              <a:buFont typeface="Wingdings" charset="2"/>
+              <a:buChar char=""/>
+            </a:pPr>
+            <a:r>
+              <a:rPr b="0" lang="en-US" sz="3200" spc="-1" strike="noStrike">
+                <a:latin typeface="Arial"/>
+              </a:rPr>
+              <a:t>Q = NEFERTITI</a:t>
+            </a:r>
+            <a:endParaRPr b="0" lang="en-US" sz="3200" spc="-1" strike="noStrike">
+              <a:latin typeface="Arial"/>
+            </a:endParaRPr>
+          </a:p>
+          <a:p>
+            <a:pPr marL="432000" indent="-324000">
+              <a:spcBef>
+                <a:spcPts val="1417"/>
+              </a:spcBef>
+              <a:buClr>
+                <a:srgbClr val="000000"/>
+              </a:buClr>
+              <a:buSzPct val="45000"/>
+              <a:buFont typeface="Wingdings" charset="2"/>
+              <a:buChar char=""/>
+            </a:pPr>
+            <a:r>
+              <a:rPr b="0" lang="en-US" sz="3200" spc="-1" strike="noStrike">
+                <a:latin typeface="Arial"/>
+              </a:rPr>
+              <a:t>N = NEFERTITI</a:t>
+            </a:r>
+            <a:endParaRPr b="0" lang="en-US" sz="3200" spc="-1" strike="noStrike">
+              <a:latin typeface="Arial"/>
+            </a:endParaRPr>
+          </a:p>
+        </p:txBody>
+      </p:sp>
+    </p:spTree>
+  </p:cSld>
+  <mc:AlternateContent>
+    <mc:Choice Requires="p14">
+      <p:transition spd="slow" p14:dur="2000"/>
+    </mc:Choice>
+    <mc:Fallback>
+      <p:transition spd="slow"/>
+    </mc:Fallback>
+  </mc:AlternateContent>
+</p:sld>
+</file>
+
+<file path=ppt/slides/slide43.xml><?xml version="1.0" encoding="utf-8"?>
+<p:sld xmlns:a="http://schemas.openxmlformats.org/drawingml/2006/main" xmlns:p="http://schemas.openxmlformats.org/presentationml/2006/main" xmlns:r="http://schemas.openxmlformats.org/officeDocument/2006/relationships" xmlns:p14="http://schemas.microsoft.com/office/powerpoint/2010/main" xmlns:p15="http://schemas.microsoft.com/office/powerpoint/2012/main" xmlns:mc="http://schemas.openxmlformats.org/markup-compatibility/2006">
+  <p:cSld>
+    <p:spTree>
+      <p:nvGrpSpPr>
+        <p:cNvPr id="1" name=""/>
+        <p:cNvGrpSpPr/>
+        <p:nvPr/>
+      </p:nvGrpSpPr>
+      <p:grpSpPr>
+        <a:xfrm>
+          <a:off x="0" y="0"/>
+          <a:ext cx="0" cy="0"/>
+          <a:chOff x="0" y="0"/>
+          <a:chExt cx="0" cy="0"/>
+        </a:xfrm>
+      </p:grpSpPr>
+      <p:sp>
+        <p:nvSpPr>
+          <p:cNvPr id="125" name="TextShape 1"/>
+          <p:cNvSpPr txBox="1"/>
+          <p:nvPr/>
+        </p:nvSpPr>
+        <p:spPr>
+          <a:xfrm>
+            <a:off x="504000" y="226080"/>
+            <a:ext cx="9071640" cy="946440"/>
+          </a:xfrm>
+          <a:prstGeom prst="rect">
+            <a:avLst/>
+          </a:prstGeom>
+          <a:noFill/>
+          <a:ln>
+            <a:noFill/>
+          </a:ln>
+        </p:spPr>
+        <p:txBody>
+          <a:bodyPr lIns="0" rIns="0" tIns="0" bIns="0" anchor="ctr">
+            <a:spAutoFit/>
+          </a:bodyPr>
+          <a:p>
+            <a:pPr algn="ctr"/>
+            <a:r>
+              <a:rPr b="0" lang="en-US" sz="4400" spc="-1" strike="noStrike">
+                <a:latin typeface="Arial"/>
+              </a:rPr>
+              <a:t>Egyptian Dictionary</a:t>
+            </a:r>
+            <a:endParaRPr b="0" lang="en-US" sz="4400" spc="-1" strike="noStrike">
+              <a:latin typeface="Arial"/>
+            </a:endParaRPr>
+          </a:p>
+        </p:txBody>
+      </p:sp>
+      <p:sp>
+        <p:nvSpPr>
+          <p:cNvPr id="126" name="TextShape 2"/>
+          <p:cNvSpPr txBox="1"/>
+          <p:nvPr/>
+        </p:nvSpPr>
+        <p:spPr>
+          <a:xfrm>
+            <a:off x="504000" y="1326600"/>
+            <a:ext cx="9071640" cy="3288240"/>
+          </a:xfrm>
+          <a:prstGeom prst="rect">
+            <a:avLst/>
+          </a:prstGeom>
+          <a:noFill/>
+          <a:ln>
+            <a:noFill/>
+          </a:ln>
+        </p:spPr>
+        <p:txBody>
+          <a:bodyPr lIns="0" rIns="0" tIns="0" bIns="0">
+            <a:normAutofit fontScale="85000"/>
+          </a:bodyPr>
+          <a:p>
+            <a:pPr marL="432000" indent="-324000">
+              <a:spcBef>
+                <a:spcPts val="1417"/>
+              </a:spcBef>
+              <a:buClr>
+                <a:srgbClr val="000000"/>
+              </a:buClr>
+              <a:buSzPct val="45000"/>
+              <a:buFont typeface="Wingdings" charset="2"/>
+              <a:buChar char=""/>
+            </a:pPr>
+            <a:r>
+              <a:rPr b="0" lang="en-US" sz="3200" spc="-1" strike="noStrike">
+                <a:latin typeface="Arial"/>
+              </a:rPr>
+              <a:t>Q = HEQET (NORTH OR SOUTH)</a:t>
+            </a:r>
+            <a:endParaRPr b="0" lang="en-US" sz="3200" spc="-1" strike="noStrike">
+              <a:latin typeface="Arial"/>
+            </a:endParaRPr>
+          </a:p>
+          <a:p>
+            <a:pPr marL="432000" indent="-324000">
+              <a:spcBef>
+                <a:spcPts val="1417"/>
+              </a:spcBef>
+              <a:buClr>
+                <a:srgbClr val="000000"/>
+              </a:buClr>
+              <a:buSzPct val="45000"/>
+              <a:buFont typeface="Wingdings" charset="2"/>
+              <a:buChar char=""/>
+            </a:pPr>
+            <a:r>
+              <a:rPr b="0" lang="en-US" sz="3200" spc="-1" strike="noStrike">
+                <a:latin typeface="Arial"/>
+              </a:rPr>
+              <a:t>R = RIGEL (OR RIGHT)</a:t>
+            </a:r>
+            <a:endParaRPr b="0" lang="en-US" sz="3200" spc="-1" strike="noStrike">
+              <a:latin typeface="Arial"/>
+            </a:endParaRPr>
+          </a:p>
+          <a:p>
+            <a:pPr marL="432000" indent="-324000">
+              <a:spcBef>
+                <a:spcPts val="1417"/>
+              </a:spcBef>
+              <a:buClr>
+                <a:srgbClr val="000000"/>
+              </a:buClr>
+              <a:buSzPct val="45000"/>
+              <a:buFont typeface="Wingdings" charset="2"/>
+              <a:buChar char=""/>
+            </a:pPr>
+            <a:r>
+              <a:rPr b="0" lang="en-US" sz="3200" spc="-1" strike="noStrike">
+                <a:latin typeface="Arial"/>
+              </a:rPr>
+              <a:t>A = AUSAR (NORTH OR SOUTH)</a:t>
+            </a:r>
+            <a:endParaRPr b="0" lang="en-US" sz="3200" spc="-1" strike="noStrike">
+              <a:latin typeface="Arial"/>
+            </a:endParaRPr>
+          </a:p>
+          <a:p>
+            <a:pPr marL="432000" indent="-324000">
+              <a:spcBef>
+                <a:spcPts val="1417"/>
+              </a:spcBef>
+              <a:buClr>
+                <a:srgbClr val="000000"/>
+              </a:buClr>
+              <a:buSzPct val="45000"/>
+              <a:buFont typeface="Wingdings" charset="2"/>
+              <a:buChar char=""/>
+            </a:pPr>
+            <a:r>
+              <a:rPr b="0" lang="en-US" sz="3200" spc="-1" strike="noStrike">
+                <a:latin typeface="Arial"/>
+              </a:rPr>
+              <a:t>O = OSIRIS</a:t>
+            </a:r>
+            <a:endParaRPr b="0" lang="en-US" sz="3200" spc="-1" strike="noStrike">
+              <a:latin typeface="Arial"/>
+            </a:endParaRPr>
+          </a:p>
+          <a:p>
+            <a:pPr marL="432000" indent="-324000">
+              <a:spcBef>
+                <a:spcPts val="1417"/>
+              </a:spcBef>
+              <a:buClr>
+                <a:srgbClr val="000000"/>
+              </a:buClr>
+              <a:buSzPct val="45000"/>
+              <a:buFont typeface="Wingdings" charset="2"/>
+              <a:buChar char=""/>
+            </a:pPr>
+            <a:r>
+              <a:rPr b="0" lang="en-US" sz="3200" spc="-1" strike="noStrike">
+                <a:latin typeface="Arial"/>
+              </a:rPr>
+              <a:t>I = ISIS</a:t>
+            </a:r>
+            <a:endParaRPr b="0" lang="en-US" sz="3200" spc="-1" strike="noStrike">
+              <a:latin typeface="Arial"/>
+            </a:endParaRPr>
+          </a:p>
+          <a:p>
+            <a:pPr marL="432000" indent="-324000">
+              <a:spcBef>
+                <a:spcPts val="1417"/>
+              </a:spcBef>
+              <a:buClr>
+                <a:srgbClr val="000000"/>
+              </a:buClr>
+              <a:buSzPct val="45000"/>
+              <a:buFont typeface="Wingdings" charset="2"/>
+              <a:buChar char=""/>
+            </a:pPr>
+            <a:r>
+              <a:rPr b="0" lang="en-US" sz="3200" spc="-1" strike="noStrike">
+                <a:latin typeface="Arial"/>
+              </a:rPr>
+              <a:t>NE = NEPTHYS (OR NORTH EAST)</a:t>
+            </a:r>
+            <a:endParaRPr b="0" lang="en-US" sz="3200" spc="-1" strike="noStrike">
+              <a:latin typeface="Arial"/>
+            </a:endParaRPr>
+          </a:p>
+        </p:txBody>
+      </p:sp>
+    </p:spTree>
+  </p:cSld>
+  <mc:AlternateContent>
+    <mc:Choice Requires="p14">
+      <p:transition spd="slow" p14:dur="2000"/>
+    </mc:Choice>
+    <mc:Fallback>
+      <p:transition spd="slow"/>
+    </mc:Fallback>
+  </mc:AlternateContent>
+</p:sld>
+</file>
+
+<file path=ppt/slides/slide44.xml><?xml version="1.0" encoding="utf-8"?>
+<p:sld xmlns:a="http://schemas.openxmlformats.org/drawingml/2006/main" xmlns:p="http://schemas.openxmlformats.org/presentationml/2006/main" xmlns:r="http://schemas.openxmlformats.org/officeDocument/2006/relationships" xmlns:p14="http://schemas.microsoft.com/office/powerpoint/2010/main" xmlns:p15="http://schemas.microsoft.com/office/powerpoint/2012/main" xmlns:mc="http://schemas.openxmlformats.org/markup-compatibility/2006">
+  <p:cSld>
+    <p:spTree>
+      <p:nvGrpSpPr>
+        <p:cNvPr id="1" name=""/>
+        <p:cNvGrpSpPr/>
+        <p:nvPr/>
+      </p:nvGrpSpPr>
+      <p:grpSpPr>
+        <a:xfrm>
+          <a:off x="0" y="0"/>
+          <a:ext cx="0" cy="0"/>
+          <a:chOff x="0" y="0"/>
+          <a:chExt cx="0" cy="0"/>
+        </a:xfrm>
+      </p:grpSpPr>
+      <p:sp>
+        <p:nvSpPr>
+          <p:cNvPr id="127" name="TextShape 1"/>
+          <p:cNvSpPr txBox="1"/>
+          <p:nvPr/>
+        </p:nvSpPr>
+        <p:spPr>
+          <a:xfrm>
+            <a:off x="504000" y="226080"/>
+            <a:ext cx="9071640" cy="946440"/>
+          </a:xfrm>
+          <a:prstGeom prst="rect">
+            <a:avLst/>
+          </a:prstGeom>
+          <a:noFill/>
+          <a:ln>
+            <a:noFill/>
+          </a:ln>
+        </p:spPr>
+        <p:txBody>
+          <a:bodyPr lIns="0" rIns="0" tIns="0" bIns="0" anchor="ctr">
+            <a:spAutoFit/>
+          </a:bodyPr>
+          <a:p>
+            <a:pPr algn="ctr"/>
+            <a:r>
+              <a:rPr b="0" lang="en-US" sz="4400" spc="-1" strike="noStrike">
+                <a:latin typeface="Arial"/>
+              </a:rPr>
               <a:t>Egyptian Dictionary </a:t>
             </a:r>
             <a:endParaRPr b="0" lang="en-US" sz="4400" spc="-1" strike="noStrike">
@@ -8276,7 +8646,7 @@
       </p:sp>
       <p:sp>
         <p:nvSpPr>
-          <p:cNvPr id="124" name="TextShape 2"/>
+          <p:cNvPr id="128" name="TextShape 2"/>
           <p:cNvSpPr txBox="1"/>
           <p:nvPr/>
         </p:nvSpPr>
